--- a/extra/ml1.pptx
+++ b/extra/ml1.pptx
@@ -281,7 +281,7 @@
           <a:p>
             <a:fld id="{7B9169B0-A344-9A43-AAD5-682508993835}" type="datetimeFigureOut">
               <a:rPr lang="fr-FR" smtClean="0"/>
-              <a:t>31/12/2021</a:t>
+              <a:t>12/01/2022</a:t>
             </a:fld>
             <a:endParaRPr lang="fr-FR"/>
           </a:p>
@@ -479,7 +479,7 @@
           <a:p>
             <a:fld id="{7B9169B0-A344-9A43-AAD5-682508993835}" type="datetimeFigureOut">
               <a:rPr lang="fr-FR" smtClean="0"/>
-              <a:t>31/12/2021</a:t>
+              <a:t>12/01/2022</a:t>
             </a:fld>
             <a:endParaRPr lang="fr-FR"/>
           </a:p>
@@ -687,7 +687,7 @@
           <a:p>
             <a:fld id="{7B9169B0-A344-9A43-AAD5-682508993835}" type="datetimeFigureOut">
               <a:rPr lang="fr-FR" smtClean="0"/>
-              <a:t>31/12/2021</a:t>
+              <a:t>12/01/2022</a:t>
             </a:fld>
             <a:endParaRPr lang="fr-FR"/>
           </a:p>
@@ -885,7 +885,7 @@
           <a:p>
             <a:fld id="{7B9169B0-A344-9A43-AAD5-682508993835}" type="datetimeFigureOut">
               <a:rPr lang="fr-FR" smtClean="0"/>
-              <a:t>31/12/2021</a:t>
+              <a:t>12/01/2022</a:t>
             </a:fld>
             <a:endParaRPr lang="fr-FR"/>
           </a:p>
@@ -1160,7 +1160,7 @@
           <a:p>
             <a:fld id="{7B9169B0-A344-9A43-AAD5-682508993835}" type="datetimeFigureOut">
               <a:rPr lang="fr-FR" smtClean="0"/>
-              <a:t>31/12/2021</a:t>
+              <a:t>12/01/2022</a:t>
             </a:fld>
             <a:endParaRPr lang="fr-FR"/>
           </a:p>
@@ -1425,7 +1425,7 @@
           <a:p>
             <a:fld id="{7B9169B0-A344-9A43-AAD5-682508993835}" type="datetimeFigureOut">
               <a:rPr lang="fr-FR" smtClean="0"/>
-              <a:t>31/12/2021</a:t>
+              <a:t>12/01/2022</a:t>
             </a:fld>
             <a:endParaRPr lang="fr-FR"/>
           </a:p>
@@ -1837,7 +1837,7 @@
           <a:p>
             <a:fld id="{7B9169B0-A344-9A43-AAD5-682508993835}" type="datetimeFigureOut">
               <a:rPr lang="fr-FR" smtClean="0"/>
-              <a:t>31/12/2021</a:t>
+              <a:t>12/01/2022</a:t>
             </a:fld>
             <a:endParaRPr lang="fr-FR"/>
           </a:p>
@@ -1978,7 +1978,7 @@
           <a:p>
             <a:fld id="{7B9169B0-A344-9A43-AAD5-682508993835}" type="datetimeFigureOut">
               <a:rPr lang="fr-FR" smtClean="0"/>
-              <a:t>31/12/2021</a:t>
+              <a:t>12/01/2022</a:t>
             </a:fld>
             <a:endParaRPr lang="fr-FR"/>
           </a:p>
@@ -2091,7 +2091,7 @@
           <a:p>
             <a:fld id="{7B9169B0-A344-9A43-AAD5-682508993835}" type="datetimeFigureOut">
               <a:rPr lang="fr-FR" smtClean="0"/>
-              <a:t>31/12/2021</a:t>
+              <a:t>12/01/2022</a:t>
             </a:fld>
             <a:endParaRPr lang="fr-FR"/>
           </a:p>
@@ -2402,7 +2402,7 @@
           <a:p>
             <a:fld id="{7B9169B0-A344-9A43-AAD5-682508993835}" type="datetimeFigureOut">
               <a:rPr lang="fr-FR" smtClean="0"/>
-              <a:t>31/12/2021</a:t>
+              <a:t>12/01/2022</a:t>
             </a:fld>
             <a:endParaRPr lang="fr-FR"/>
           </a:p>
@@ -2690,7 +2690,7 @@
           <a:p>
             <a:fld id="{7B9169B0-A344-9A43-AAD5-682508993835}" type="datetimeFigureOut">
               <a:rPr lang="fr-FR" smtClean="0"/>
-              <a:t>31/12/2021</a:t>
+              <a:t>12/01/2022</a:t>
             </a:fld>
             <a:endParaRPr lang="fr-FR"/>
           </a:p>
@@ -2931,7 +2931,7 @@
           <a:p>
             <a:fld id="{7B9169B0-A344-9A43-AAD5-682508993835}" type="datetimeFigureOut">
               <a:rPr lang="fr-FR" smtClean="0"/>
-              <a:t>31/12/2021</a:t>
+              <a:t>12/01/2022</a:t>
             </a:fld>
             <a:endParaRPr lang="fr-FR"/>
           </a:p>
@@ -5394,7 +5394,7 @@
             </a:r>
             <a:r>
               <a:rPr lang="fr-FR" sz="3200" noProof="1"/>
-              <a:t> &gt; </a:t>
+              <a:t> &lt; </a:t>
             </a:r>
             <a:r>
               <a:rPr lang="fr-FR" sz="3200" b="1" noProof="1">
@@ -5512,7 +5512,7 @@
             </a:r>
             <a:r>
               <a:rPr lang="fr-FR" sz="3200" noProof="1"/>
-              <a:t> X &gt; </a:t>
+              <a:t> X &lt; </a:t>
             </a:r>
             <a:r>
               <a:rPr lang="fr-FR" sz="3200" b="1" noProof="1">
@@ -5678,7 +5678,7 @@
             </a:r>
             <a:r>
               <a:rPr lang="fr-FR" sz="3200" noProof="1"/>
-              <a:t> X &gt; Y</a:t>
+              <a:t> X &lt; Y</a:t>
             </a:r>
           </a:p>
           <a:p>
@@ -5687,7 +5687,7 @@
           <a:p>
             <a:r>
               <a:rPr lang="fr-FR" sz="3200" noProof="1"/>
-              <a:t>Y &gt; (</a:t>
+              <a:t>Y &lt; (</a:t>
             </a:r>
             <a:r>
               <a:rPr lang="fr-FR" sz="3200" b="1" noProof="1">
@@ -5825,7 +5825,7 @@
           <a:p>
             <a:r>
               <a:rPr lang="fr-FR" sz="3200" noProof="1"/>
-              <a:t>Y &gt; [</a:t>
+              <a:t>Y &lt; [</a:t>
             </a:r>
             <a:r>
               <a:rPr lang="fr-FR" sz="3200" noProof="1">
@@ -6536,7 +6536,7 @@
             </a:r>
             <a:r>
               <a:rPr lang="fr-FR" sz="3200" noProof="1"/>
-              <a:t> &gt; </a:t>
+              <a:t> &lt; </a:t>
             </a:r>
             <a:r>
               <a:rPr lang="fr-FR" sz="3200" b="1" noProof="1">
@@ -6654,7 +6654,7 @@
             </a:r>
             <a:r>
               <a:rPr lang="fr-FR" sz="3200" noProof="1"/>
-              <a:t> X &gt; </a:t>
+              <a:t> X &lt; </a:t>
             </a:r>
             <a:r>
               <a:rPr lang="fr-FR" sz="3200" b="1" noProof="1">
@@ -6796,7 +6796,7 @@
             </a:r>
             <a:r>
               <a:rPr lang="fr-FR" sz="3200" noProof="1"/>
-              <a:t> X &gt; Y</a:t>
+              <a:t> X &lt; Y</a:t>
             </a:r>
           </a:p>
           <a:p>
@@ -6805,7 +6805,7 @@
           <a:p>
             <a:r>
               <a:rPr lang="fr-FR" sz="3200" noProof="1"/>
-              <a:t>Y &gt; (</a:t>
+              <a:t>Y &lt; (</a:t>
             </a:r>
             <a:r>
               <a:rPr lang="fr-FR" sz="3200" b="1" noProof="1">
@@ -6943,7 +6943,7 @@
           <a:p>
             <a:r>
               <a:rPr lang="fr-FR" sz="3200" noProof="1"/>
-              <a:t>Y &gt; [</a:t>
+              <a:t>Y &lt; [</a:t>
             </a:r>
             <a:r>
               <a:rPr lang="fr-FR" sz="3200" noProof="1">
@@ -7527,7 +7527,7 @@
             </a:r>
             <a:r>
               <a:rPr lang="fr-FR" sz="2000" noProof="1"/>
-              <a:t>: the variables in the model used to make predictions; here we have two features: H.S. GPA and SAT scores</a:t>
+              <a:t>: the measurements the model used to make predictions; here we have two features: H.S. GPA and SAT scores</a:t>
             </a:r>
           </a:p>
           <a:p>

--- a/extra/ml1.pptx
+++ b/extra/ml1.pptx
@@ -6805,7 +6805,7 @@
           <a:p>
             <a:r>
               <a:rPr lang="fr-FR" sz="3200" noProof="1"/>
-              <a:t>Y &lt; (</a:t>
+              <a:t>Y &gt; (</a:t>
             </a:r>
             <a:r>
               <a:rPr lang="fr-FR" sz="3200" b="1" noProof="1">
@@ -6943,7 +6943,7 @@
           <a:p>
             <a:r>
               <a:rPr lang="fr-FR" sz="3200" noProof="1"/>
-              <a:t>Y &lt; [</a:t>
+              <a:t>Y &gt; [</a:t>
             </a:r>
             <a:r>
               <a:rPr lang="fr-FR" sz="3200" noProof="1">
